--- a/RC11/VG101 Jigang RC11.pptx
+++ b/RC11/VG101 Jigang RC11.pptx
@@ -9481,9 +9481,9 @@
             </a:r>
             <a:r>
               <a:rPr lang="en-US" altLang="zh-CN"/>
-              <a:t>at lbl326G</a:t>
-            </a:r>
-            <a:endParaRPr lang="zh-CN" altLang="en-US"/>
+              <a:t>at lbl415B</a:t>
+            </a:r>
+            <a:endParaRPr lang="zh-CN" altLang="en-US" dirty="0"/>
           </a:p>
         </p:txBody>
       </p:sp>
